--- a/documentation/docTravail/posterTDSD-03-12-15.pptx
+++ b/documentation/docTravail/posterTDSD-03-12-15.pptx
@@ -11,7 +11,7 @@
     <p:sldId id="260" r:id="rId2"/>
   </p:sldIdLst>
   <p:sldSz cx="21386800" cy="30243463"/>
-  <p:notesSz cx="6858000" cy="9144000"/>
+  <p:notesSz cx="29819600" cy="42341800"/>
   <p:defaultTextStyle>
     <a:defPPr>
       <a:defRPr lang="fr-FR"/>
@@ -139,7 +139,7 @@
   </p:defaultTextStyle>
   <p:extLst>
     <p:ext uri="{EFAFB233-063F-42B5-8137-9DF3F51BA10A}">
-      <p15:sldGuideLst xmlns:p15="http://schemas.microsoft.com/office/powerpoint/2012/main" xmlns="">
+      <p15:sldGuideLst xmlns="" xmlns:p15="http://schemas.microsoft.com/office/powerpoint/2012/main">
         <p15:guide id="1" orient="horz" pos="9526">
           <p15:clr>
             <a:srgbClr val="A4A3A4"/>
@@ -191,23 +191,23 @@
         <p:spPr>
           <a:xfrm>
             <a:off x="0" y="0"/>
-            <a:ext cx="2971800" cy="457200"/>
+            <a:ext cx="12921827" cy="2117090"/>
           </a:xfrm>
           <a:prstGeom prst="rect">
             <a:avLst/>
           </a:prstGeom>
         </p:spPr>
         <p:txBody>
-          <a:bodyPr vert="horz" lIns="91440" tIns="45720" rIns="91440" bIns="45720" rtlCol="0"/>
+          <a:bodyPr vert="horz" lIns="412349" tIns="206174" rIns="412349" bIns="206174" rtlCol="0"/>
           <a:lstStyle>
-            <a:lvl1pPr algn="l" defTabSz="2950220" fontAlgn="auto">
+            <a:lvl1pPr algn="l" defTabSz="13304017" fontAlgn="auto">
               <a:spcBef>
                 <a:spcPts val="0"/>
               </a:spcBef>
               <a:spcAft>
                 <a:spcPts val="0"/>
               </a:spcAft>
-              <a:defRPr sz="1200">
+              <a:defRPr sz="5400">
                 <a:latin typeface="+mn-lt"/>
               </a:defRPr>
             </a:lvl1pPr>
@@ -232,24 +232,24 @@
         </p:nvSpPr>
         <p:spPr>
           <a:xfrm>
-            <a:off x="3884613" y="0"/>
-            <a:ext cx="2971800" cy="457200"/>
+            <a:off x="16890873" y="0"/>
+            <a:ext cx="12921827" cy="2117090"/>
           </a:xfrm>
           <a:prstGeom prst="rect">
             <a:avLst/>
           </a:prstGeom>
         </p:spPr>
         <p:txBody>
-          <a:bodyPr vert="horz" lIns="91440" tIns="45720" rIns="91440" bIns="45720" rtlCol="0"/>
+          <a:bodyPr vert="horz" lIns="412349" tIns="206174" rIns="412349" bIns="206174" rtlCol="0"/>
           <a:lstStyle>
-            <a:lvl1pPr algn="r" defTabSz="2950220" fontAlgn="auto">
+            <a:lvl1pPr algn="r" defTabSz="13304017" fontAlgn="auto">
               <a:spcBef>
                 <a:spcPts val="0"/>
               </a:spcBef>
               <a:spcAft>
                 <a:spcPts val="0"/>
               </a:spcAft>
-              <a:defRPr sz="1200">
+              <a:defRPr sz="5400">
                 <a:latin typeface="+mn-lt"/>
               </a:defRPr>
             </a:lvl1pPr>
@@ -263,7 +263,7 @@
               <a:pPr>
                 <a:defRPr/>
               </a:pPr>
-              <a:t>03/12/2015</a:t>
+              <a:t>04/12/2015</a:t>
             </a:fld>
             <a:endParaRPr lang="fr-FR"/>
           </a:p>
@@ -281,8 +281,8 @@
         </p:nvSpPr>
         <p:spPr>
           <a:xfrm>
-            <a:off x="2216150" y="685800"/>
-            <a:ext cx="2425700" cy="3429000"/>
+            <a:off x="9296400" y="3175000"/>
+            <a:ext cx="11226800" cy="15878175"/>
           </a:xfrm>
           <a:prstGeom prst="rect">
             <a:avLst/>
@@ -295,7 +295,7 @@
           </a:ln>
         </p:spPr>
         <p:txBody>
-          <a:bodyPr vert="horz" lIns="91440" tIns="45720" rIns="91440" bIns="45720" rtlCol="0" anchor="ctr"/>
+          <a:bodyPr vert="horz" lIns="412349" tIns="206174" rIns="412349" bIns="206174" rtlCol="0" anchor="ctr"/>
           <a:lstStyle/>
           <a:p>
             <a:pPr lvl="0"/>
@@ -315,15 +315,15 @@
         </p:nvSpPr>
         <p:spPr>
           <a:xfrm>
-            <a:off x="685800" y="4343400"/>
-            <a:ext cx="5486400" cy="4114800"/>
+            <a:off x="2981960" y="20112355"/>
+            <a:ext cx="23855680" cy="19053810"/>
           </a:xfrm>
           <a:prstGeom prst="rect">
             <a:avLst/>
           </a:prstGeom>
         </p:spPr>
         <p:txBody>
-          <a:bodyPr vert="horz" lIns="91440" tIns="45720" rIns="91440" bIns="45720" rtlCol="0">
+          <a:bodyPr vert="horz" lIns="412349" tIns="206174" rIns="412349" bIns="206174" rtlCol="0">
             <a:normAutofit/>
           </a:bodyPr>
           <a:lstStyle/>
@@ -376,24 +376,24 @@
         </p:nvSpPr>
         <p:spPr>
           <a:xfrm>
-            <a:off x="0" y="8685213"/>
-            <a:ext cx="2971800" cy="457200"/>
+            <a:off x="0" y="40217361"/>
+            <a:ext cx="12921827" cy="2117090"/>
           </a:xfrm>
           <a:prstGeom prst="rect">
             <a:avLst/>
           </a:prstGeom>
         </p:spPr>
         <p:txBody>
-          <a:bodyPr vert="horz" lIns="91440" tIns="45720" rIns="91440" bIns="45720" rtlCol="0" anchor="b"/>
+          <a:bodyPr vert="horz" lIns="412349" tIns="206174" rIns="412349" bIns="206174" rtlCol="0" anchor="b"/>
           <a:lstStyle>
-            <a:lvl1pPr algn="l" defTabSz="2950220" fontAlgn="auto">
+            <a:lvl1pPr algn="l" defTabSz="13304017" fontAlgn="auto">
               <a:spcBef>
                 <a:spcPts val="0"/>
               </a:spcBef>
               <a:spcAft>
                 <a:spcPts val="0"/>
               </a:spcAft>
-              <a:defRPr sz="1200">
+              <a:defRPr sz="5400">
                 <a:latin typeface="+mn-lt"/>
               </a:defRPr>
             </a:lvl1pPr>
@@ -418,24 +418,24 @@
         </p:nvSpPr>
         <p:spPr>
           <a:xfrm>
-            <a:off x="3884613" y="8685213"/>
-            <a:ext cx="2971800" cy="457200"/>
+            <a:off x="16890873" y="40217361"/>
+            <a:ext cx="12921827" cy="2117090"/>
           </a:xfrm>
           <a:prstGeom prst="rect">
             <a:avLst/>
           </a:prstGeom>
         </p:spPr>
         <p:txBody>
-          <a:bodyPr vert="horz" lIns="91440" tIns="45720" rIns="91440" bIns="45720" rtlCol="0" anchor="b"/>
+          <a:bodyPr vert="horz" lIns="412349" tIns="206174" rIns="412349" bIns="206174" rtlCol="0" anchor="b"/>
           <a:lstStyle>
-            <a:lvl1pPr algn="r" defTabSz="2950220" fontAlgn="auto">
+            <a:lvl1pPr algn="r" defTabSz="13304017" fontAlgn="auto">
               <a:spcBef>
                 <a:spcPts val="0"/>
               </a:spcBef>
               <a:spcAft>
                 <a:spcPts val="0"/>
               </a:spcAft>
-              <a:defRPr sz="1200">
+              <a:defRPr sz="5400">
                 <a:latin typeface="+mn-lt"/>
               </a:defRPr>
             </a:lvl1pPr>
@@ -1221,7 +1221,7 @@
               <a:pPr>
                 <a:defRPr/>
               </a:pPr>
-              <a:t>03/12/2015</a:t>
+              <a:t>04/12/2015</a:t>
             </a:fld>
             <a:endParaRPr lang="fr-FR"/>
           </a:p>
@@ -1423,7 +1423,7 @@
               <a:pPr>
                 <a:defRPr/>
               </a:pPr>
-              <a:t>03/12/2015</a:t>
+              <a:t>04/12/2015</a:t>
             </a:fld>
             <a:endParaRPr lang="fr-FR"/>
           </a:p>
@@ -1615,7 +1615,7 @@
               <a:pPr>
                 <a:defRPr/>
               </a:pPr>
-              <a:t>03/12/2015</a:t>
+              <a:t>04/12/2015</a:t>
             </a:fld>
             <a:endParaRPr lang="fr-FR"/>
           </a:p>
@@ -1883,7 +1883,7 @@
               <a:pPr>
                 <a:defRPr/>
               </a:pPr>
-              <a:t>03/12/2015</a:t>
+              <a:t>04/12/2015</a:t>
             </a:fld>
             <a:endParaRPr lang="fr-FR"/>
           </a:p>
@@ -2193,7 +2193,7 @@
               <a:pPr>
                 <a:defRPr/>
               </a:pPr>
-              <a:t>03/12/2015</a:t>
+              <a:t>04/12/2015</a:t>
             </a:fld>
             <a:endParaRPr lang="fr-FR"/>
           </a:p>
@@ -2637,7 +2637,7 @@
               <a:pPr>
                 <a:defRPr/>
               </a:pPr>
-              <a:t>03/12/2015</a:t>
+              <a:t>04/12/2015</a:t>
             </a:fld>
             <a:endParaRPr lang="fr-FR"/>
           </a:p>
@@ -2777,7 +2777,7 @@
               <a:pPr>
                 <a:defRPr/>
               </a:pPr>
-              <a:t>03/12/2015</a:t>
+              <a:t>04/12/2015</a:t>
             </a:fld>
             <a:endParaRPr lang="fr-FR"/>
           </a:p>
@@ -2894,7 +2894,7 @@
               <a:pPr>
                 <a:defRPr/>
               </a:pPr>
-              <a:t>03/12/2015</a:t>
+              <a:t>04/12/2015</a:t>
             </a:fld>
             <a:endParaRPr lang="fr-FR"/>
           </a:p>
@@ -3193,7 +3193,7 @@
               <a:pPr>
                 <a:defRPr/>
               </a:pPr>
-              <a:t>03/12/2015</a:t>
+              <a:t>04/12/2015</a:t>
             </a:fld>
             <a:endParaRPr lang="fr-FR"/>
           </a:p>
@@ -3471,7 +3471,7 @@
               <a:pPr>
                 <a:defRPr/>
               </a:pPr>
-              <a:t>03/12/2015</a:t>
+              <a:t>04/12/2015</a:t>
             </a:fld>
             <a:endParaRPr lang="fr-FR"/>
           </a:p>
@@ -3726,7 +3726,7 @@
               <a:pPr>
                 <a:defRPr/>
               </a:pPr>
-              <a:t>03/12/2015</a:t>
+              <a:t>04/12/2015</a:t>
             </a:fld>
             <a:endParaRPr lang="fr-FR"/>
           </a:p>
@@ -5565,7 +5565,7 @@
         </p:blipFill>
         <p:spPr>
           <a:xfrm>
-            <a:off x="18679982" y="72059"/>
+            <a:off x="18686288" y="216075"/>
             <a:ext cx="2526586" cy="1368152"/>
           </a:xfrm>
           <a:prstGeom prst="rect">
@@ -6395,36 +6395,6 @@
           </p:spPr>
         </p:pic>
       </p:grpSp>
-      <p:pic>
-        <p:nvPicPr>
-          <p:cNvPr id="2" name="Image 1"/>
-          <p:cNvPicPr>
-            <a:picLocks noChangeAspect="1"/>
-          </p:cNvPicPr>
-          <p:nvPr/>
-        </p:nvPicPr>
-        <p:blipFill>
-          <a:blip r:embed="rId10">
-            <a:extLst>
-              <a:ext uri="{28A0092B-C50C-407E-A947-70E740481C1C}">
-                <a14:useLocalDpi xmlns:a14="http://schemas.microsoft.com/office/drawing/2010/main" val="0"/>
-              </a:ext>
-            </a:extLst>
-          </a:blip>
-          <a:stretch>
-            <a:fillRect/>
-          </a:stretch>
-        </p:blipFill>
-        <p:spPr>
-          <a:xfrm>
-            <a:off x="602208" y="2100772"/>
-            <a:ext cx="2592288" cy="1187600"/>
-          </a:xfrm>
-          <a:prstGeom prst="rect">
-            <a:avLst/>
-          </a:prstGeom>
-        </p:spPr>
-      </p:pic>
       <p:cxnSp>
         <p:nvCxnSpPr>
           <p:cNvPr id="53" name="Connecteur en arc 52"/>
@@ -6700,7 +6670,7 @@
             <p:nvPr/>
           </p:nvPicPr>
           <p:blipFill>
-            <a:blip r:embed="rId11">
+            <a:blip r:embed="rId10">
               <a:extLst>
                 <a:ext uri="{28A0092B-C50C-407E-A947-70E740481C1C}">
                   <a14:useLocalDpi xmlns:a14="http://schemas.microsoft.com/office/drawing/2010/main" val="0"/>
@@ -6842,6 +6812,36 @@
           </a:p>
         </p:txBody>
       </p:sp>
+      <p:pic>
+        <p:nvPicPr>
+          <p:cNvPr id="55" name="Image 54"/>
+          <p:cNvPicPr>
+            <a:picLocks noChangeAspect="1"/>
+          </p:cNvPicPr>
+          <p:nvPr/>
+        </p:nvPicPr>
+        <p:blipFill>
+          <a:blip r:embed="rId11" cstate="print">
+            <a:extLst>
+              <a:ext uri="{28A0092B-C50C-407E-A947-70E740481C1C}">
+                <a14:useLocalDpi xmlns:a14="http://schemas.microsoft.com/office/drawing/2010/main" val="0"/>
+              </a:ext>
+            </a:extLst>
+          </a:blip>
+          <a:stretch>
+            <a:fillRect/>
+          </a:stretch>
+        </p:blipFill>
+        <p:spPr>
+          <a:xfrm>
+            <a:off x="443029" y="2160476"/>
+            <a:ext cx="2776675" cy="1272506"/>
+          </a:xfrm>
+          <a:prstGeom prst="rect">
+            <a:avLst/>
+          </a:prstGeom>
+        </p:spPr>
+      </p:pic>
     </p:spTree>
     <p:extLst>
       <p:ext uri="{BB962C8B-B14F-4D97-AF65-F5344CB8AC3E}">
